--- a/Proposal_Lian Weihang.pptx
+++ b/Proposal_Lian Weihang.pptx
@@ -265,7 +265,7 @@
           <a:p>
             <a:fld id="{1D8BD707-D9CF-40AE-B4C6-C98DA3205C09}" type="datetimeFigureOut">
               <a:rPr lang="en-US"/>
-              <a:t>4/11/2017</a:t>
+              <a:t>4/21/2017</a:t>
             </a:fld>
             <a:endParaRPr lang="en-US"/>
           </a:p>
@@ -448,7 +448,7 @@
           <a:p>
             <a:fld id="{1D8BD707-D9CF-40AE-B4C6-C98DA3205C09}" type="datetimeFigureOut">
               <a:rPr lang="en-US"/>
-              <a:t>4/11/2017</a:t>
+              <a:t>4/21/2017</a:t>
             </a:fld>
             <a:endParaRPr lang="en-US"/>
           </a:p>
@@ -668,7 +668,7 @@
           <a:p>
             <a:fld id="{1D8BD707-D9CF-40AE-B4C6-C98DA3205C09}" type="datetimeFigureOut">
               <a:rPr lang="en-US"/>
-              <a:t>4/11/2017</a:t>
+              <a:t>4/21/2017</a:t>
             </a:fld>
             <a:endParaRPr lang="en-US"/>
           </a:p>
@@ -822,7 +822,7 @@
           <a:p>
             <a:fld id="{1D8BD707-D9CF-40AE-B4C6-C98DA3205C09}" type="datetimeFigureOut">
               <a:rPr lang="en-US"/>
-              <a:t>4/11/2017</a:t>
+              <a:t>4/21/2017</a:t>
             </a:fld>
             <a:endParaRPr lang="en-US"/>
           </a:p>
@@ -1083,7 +1083,7 @@
           <a:p>
             <a:fld id="{1D8BD707-D9CF-40AE-B4C6-C98DA3205C09}" type="datetimeFigureOut">
               <a:rPr lang="en-US"/>
-              <a:t>4/11/2017</a:t>
+              <a:t>4/21/2017</a:t>
             </a:fld>
             <a:endParaRPr lang="en-US"/>
           </a:p>
@@ -1427,7 +1427,7 @@
           <a:p>
             <a:fld id="{1D8BD707-D9CF-40AE-B4C6-C98DA3205C09}" type="datetimeFigureOut">
               <a:rPr lang="en-US"/>
-              <a:t>4/11/2017</a:t>
+              <a:t>4/21/2017</a:t>
             </a:fld>
             <a:endParaRPr lang="en-US"/>
           </a:p>
@@ -1881,8 +1881,8 @@
         </p:nvSpPr>
         <p:spPr>
           <a:xfrm>
-            <a:off x="602099" y="2177541"/>
-            <a:ext cx="7939801" cy="1569660"/>
+            <a:off x="640285" y="2177541"/>
+            <a:ext cx="7863435" cy="1569660"/>
           </a:xfrm>
           <a:prstGeom prst="rect">
             <a:avLst/>
@@ -1905,15 +1905,23 @@
                 <a:ea typeface="等线" panose="02010600030101010101" pitchFamily="2" charset="-122"/>
                 <a:cs typeface="Times New Roman" panose="02020603050405020304" pitchFamily="18" charset="0"/>
               </a:rPr>
-              <a:t>Fund Performance Attribution and </a:t>
-            </a:r>
-            <a:r>
-              <a:rPr lang="en-US" altLang="zh-CN" sz="3200" b="1" kern="100" dirty="0" smtClean="0">
+              <a:t>Fund Performance Attribution </a:t>
+            </a:r>
+            <a:r>
+              <a:rPr lang="en-US" altLang="zh-CN" sz="3200" b="1" kern="100">
                 <a:latin typeface="Calibri" panose="020F0502020204030204" pitchFamily="34" charset="0"/>
                 <a:ea typeface="等线" panose="02010600030101010101" pitchFamily="2" charset="-122"/>
                 <a:cs typeface="Times New Roman" panose="02020603050405020304" pitchFamily="18" charset="0"/>
               </a:rPr>
-              <a:t>Estimation</a:t>
+              <a:t>and </a:t>
+            </a:r>
+            <a:r>
+              <a:rPr lang="en-US" altLang="zh-CN" sz="3200" b="1" kern="100" smtClean="0">
+                <a:latin typeface="Calibri" panose="020F0502020204030204" pitchFamily="34" charset="0"/>
+                <a:ea typeface="等线" panose="02010600030101010101" pitchFamily="2" charset="-122"/>
+                <a:cs typeface="Times New Roman" panose="02020603050405020304" pitchFamily="18" charset="0"/>
+              </a:rPr>
+              <a:t>Prediction</a:t>
             </a:r>
           </a:p>
           <a:p>
@@ -1923,13 +1931,22 @@
               </a:spcAft>
             </a:pPr>
             <a:r>
+              <a:rPr lang="en-US" altLang="zh-CN" sz="3200" b="1" kern="100" smtClean="0">
+                <a:effectLst/>
+                <a:latin typeface="Calibri" panose="020F0502020204030204" pitchFamily="34" charset="0"/>
+                <a:ea typeface="等线" panose="02010600030101010101" pitchFamily="2" charset="-122"/>
+                <a:cs typeface="Times New Roman" panose="02020603050405020304" pitchFamily="18" charset="0"/>
+              </a:rPr>
+              <a:t>Lian </a:t>
+            </a:r>
+            <a:r>
               <a:rPr lang="en-US" altLang="zh-CN" sz="3200" b="1" kern="100" dirty="0" smtClean="0">
                 <a:effectLst/>
                 <a:latin typeface="Calibri" panose="020F0502020204030204" pitchFamily="34" charset="0"/>
                 <a:ea typeface="等线" panose="02010600030101010101" pitchFamily="2" charset="-122"/>
                 <a:cs typeface="Times New Roman" panose="02020603050405020304" pitchFamily="18" charset="0"/>
               </a:rPr>
-              <a:t>Lian Weihang</a:t>
+              <a:t>Weihang</a:t>
             </a:r>
           </a:p>
           <a:p>
@@ -2039,21 +2056,8 @@
                 <a:ea typeface="等线" panose="02010600030101010101" pitchFamily="2" charset="-122"/>
                 <a:cs typeface="Times New Roman" panose="02020603050405020304" pitchFamily="18" charset="0"/>
               </a:rPr>
-              <a:t>In China, when a public fund is issued. The asset management company must give the target benchmark of the fund. However, for some reasons such as  the market quotation and the fund manager’s personal factors, the performance of active funds are not stable. Sometimes, the trader styles of active funds are not corresponding to benchmarks. Therefore, I think some machine learning methods can be used to study </a:t>
-            </a:r>
-            <a:r>
-              <a:rPr lang="en-US" altLang="zh-CN" kern="100" smtClean="0">
-                <a:latin typeface="Times New Roman" panose="02020603050405020304" pitchFamily="18" charset="0"/>
-                <a:ea typeface="等线" panose="02010600030101010101" pitchFamily="2" charset="-122"/>
-                <a:cs typeface="Times New Roman" panose="02020603050405020304" pitchFamily="18" charset="0"/>
-              </a:rPr>
-              <a:t>the attributions.</a:t>
-            </a:r>
-            <a:endParaRPr lang="en-US" altLang="zh-CN" kern="100" dirty="0" smtClean="0">
-              <a:latin typeface="Times New Roman" panose="02020603050405020304" pitchFamily="18" charset="0"/>
-              <a:ea typeface="等线" panose="02010600030101010101" pitchFamily="2" charset="-122"/>
-              <a:cs typeface="Times New Roman" panose="02020603050405020304" pitchFamily="18" charset="0"/>
-            </a:endParaRPr>
+              <a:t>In China, when a public fund is issued. The asset management company must give the target benchmark of the fund. However, for some reasons such as  the market quotation and the fund manager’s personal factors, the performance of active funds are not stable. Sometimes, the trader styles of active funds are not corresponding to benchmarks. Therefore, I think some machine learning methods can be used to study the attributions.</a:t>
+            </a:r>
           </a:p>
         </p:txBody>
       </p:sp>
@@ -2161,7 +2165,15 @@
                 <a:ea typeface="等线" panose="02010600030101010101" pitchFamily="2" charset="-122"/>
                 <a:cs typeface="Times New Roman" panose="02020603050405020304" pitchFamily="18" charset="0"/>
               </a:rPr>
-              <a:t>: Time series data of net value and volatility</a:t>
+              <a:t>: Time series data of </a:t>
+            </a:r>
+            <a:r>
+              <a:rPr lang="en-US" altLang="zh-CN" kern="100" smtClean="0">
+                <a:latin typeface="Times New Roman" panose="02020603050405020304" pitchFamily="18" charset="0"/>
+                <a:ea typeface="等线" panose="02010600030101010101" pitchFamily="2" charset="-122"/>
+                <a:cs typeface="Times New Roman" panose="02020603050405020304" pitchFamily="18" charset="0"/>
+              </a:rPr>
+              <a:t>net value</a:t>
             </a:r>
           </a:p>
           <a:p>
@@ -2272,21 +2284,8 @@
                 <a:ea typeface="等线" panose="02010600030101010101" pitchFamily="2" charset="-122"/>
                 <a:cs typeface="Times New Roman" panose="02020603050405020304" pitchFamily="18" charset="0"/>
               </a:rPr>
-              <a:t>Index (H11009.CSI</a:t>
-            </a:r>
-            <a:r>
-              <a:rPr lang="en-US" altLang="zh-CN" kern="100" dirty="0" smtClean="0">
-                <a:latin typeface="Times New Roman" panose="02020603050405020304" pitchFamily="18" charset="0"/>
-                <a:ea typeface="等线" panose="02010600030101010101" pitchFamily="2" charset="-122"/>
-                <a:cs typeface="Times New Roman" panose="02020603050405020304" pitchFamily="18" charset="0"/>
-              </a:rPr>
-              <a:t>)</a:t>
-            </a:r>
-            <a:endParaRPr lang="en-US" altLang="zh-CN" kern="100" dirty="0" smtClean="0">
-              <a:latin typeface="Times New Roman" panose="02020603050405020304" pitchFamily="18" charset="0"/>
-              <a:ea typeface="等线" panose="02010600030101010101" pitchFamily="2" charset="-122"/>
-              <a:cs typeface="Times New Roman" panose="02020603050405020304" pitchFamily="18" charset="0"/>
-            </a:endParaRPr>
+              <a:t>Index (H11009.CSI)</a:t>
+            </a:r>
           </a:p>
           <a:p>
             <a:pPr algn="just">
@@ -2312,23 +2311,7 @@
                 <a:ea typeface="等线" panose="02010600030101010101" pitchFamily="2" charset="-122"/>
                 <a:cs typeface="Times New Roman" panose="02020603050405020304" pitchFamily="18" charset="0"/>
               </a:rPr>
-              <a:t>Target Active Funds (with a history of more than </a:t>
-            </a:r>
-            <a:r>
-              <a:rPr lang="en-US" altLang="zh-CN" kern="100" dirty="0" smtClean="0">
-                <a:latin typeface="Times New Roman" panose="02020603050405020304" pitchFamily="18" charset="0"/>
-                <a:ea typeface="等线" panose="02010600030101010101" pitchFamily="2" charset="-122"/>
-                <a:cs typeface="Times New Roman" panose="02020603050405020304" pitchFamily="18" charset="0"/>
-              </a:rPr>
-              <a:t>10 </a:t>
-            </a:r>
-            <a:r>
-              <a:rPr lang="en-US" altLang="zh-CN" kern="100" dirty="0" smtClean="0">
-                <a:latin typeface="Times New Roman" panose="02020603050405020304" pitchFamily="18" charset="0"/>
-                <a:ea typeface="等线" panose="02010600030101010101" pitchFamily="2" charset="-122"/>
-                <a:cs typeface="Times New Roman" panose="02020603050405020304" pitchFamily="18" charset="0"/>
-              </a:rPr>
-              <a:t>years): </a:t>
+              <a:t>Target Active Funds (with a history of more than 10 years): </a:t>
             </a:r>
           </a:p>
           <a:p>
@@ -2345,13 +2328,8 @@
                 <a:ea typeface="等线" panose="02010600030101010101" pitchFamily="2" charset="-122"/>
                 <a:cs typeface="Times New Roman" panose="02020603050405020304" pitchFamily="18" charset="0"/>
               </a:rPr>
-              <a:t>020001.OF</a:t>
-            </a:r>
-            <a:endParaRPr lang="en-US" altLang="zh-CN" kern="100" dirty="0" smtClean="0">
-              <a:latin typeface="Times New Roman" panose="02020603050405020304" pitchFamily="18" charset="0"/>
-              <a:ea typeface="等线" panose="02010600030101010101" pitchFamily="2" charset="-122"/>
-              <a:cs typeface="Times New Roman" panose="02020603050405020304" pitchFamily="18" charset="0"/>
-            </a:endParaRPr>
+              <a:t>020001.OF (0.8*000300.SH+0.2*H11009.CSI)</a:t>
+            </a:r>
           </a:p>
           <a:p>
             <a:pPr marL="285750" indent="-285750" algn="just">
@@ -2362,18 +2340,73 @@
               <a:buChar char="•"/>
             </a:pPr>
             <a:r>
+              <a:rPr lang="en-US" altLang="zh-CN" kern="100" dirty="0">
+                <a:latin typeface="Times New Roman" panose="02020603050405020304" pitchFamily="18" charset="0"/>
+                <a:ea typeface="等线" panose="02010600030101010101" pitchFamily="2" charset="-122"/>
+                <a:cs typeface="Times New Roman" panose="02020603050405020304" pitchFamily="18" charset="0"/>
+              </a:rPr>
+              <a:t>090001.OF (0.8*000300.SH+0.2*H11009.CSI)</a:t>
+            </a:r>
+          </a:p>
+          <a:p>
+            <a:pPr marL="285750" indent="-285750" algn="just">
+              <a:buFont typeface="Arial" panose="020B0604020202020204" pitchFamily="34" charset="0"/>
+              <a:buChar char="•"/>
+            </a:pPr>
+            <a:r>
+              <a:rPr lang="en-US" altLang="zh-CN" kern="100" dirty="0">
+                <a:latin typeface="Times New Roman" panose="02020603050405020304" pitchFamily="18" charset="0"/>
+                <a:ea typeface="等线" panose="02010600030101010101" pitchFamily="2" charset="-122"/>
+                <a:cs typeface="Times New Roman" panose="02020603050405020304" pitchFamily="18" charset="0"/>
+              </a:rPr>
+              <a:t>100020.OF (</a:t>
+            </a:r>
+            <a:r>
               <a:rPr lang="en-US" altLang="zh-CN" kern="100" dirty="0" smtClean="0">
                 <a:latin typeface="Times New Roman" panose="02020603050405020304" pitchFamily="18" charset="0"/>
                 <a:ea typeface="等线" panose="02010600030101010101" pitchFamily="2" charset="-122"/>
                 <a:cs typeface="Times New Roman" panose="02020603050405020304" pitchFamily="18" charset="0"/>
               </a:rPr>
-              <a:t>090001.OF</a:t>
-            </a:r>
-            <a:endParaRPr lang="en-US" altLang="zh-CN" kern="100" dirty="0" smtClean="0">
-              <a:latin typeface="Times New Roman" panose="02020603050405020304" pitchFamily="18" charset="0"/>
-              <a:ea typeface="等线" panose="02010600030101010101" pitchFamily="2" charset="-122"/>
-              <a:cs typeface="Times New Roman" panose="02020603050405020304" pitchFamily="18" charset="0"/>
-            </a:endParaRPr>
+              <a:t>0.95*000300.SH+0.05*H11009.CSI)</a:t>
+            </a:r>
+          </a:p>
+          <a:p>
+            <a:pPr marL="285750" indent="-285750" algn="just">
+              <a:buFont typeface="Arial" panose="020B0604020202020204" pitchFamily="34" charset="0"/>
+              <a:buChar char="•"/>
+            </a:pPr>
+            <a:r>
+              <a:rPr lang="en-US" altLang="zh-CN" kern="100" dirty="0">
+                <a:latin typeface="Times New Roman" panose="02020603050405020304" pitchFamily="18" charset="0"/>
+                <a:ea typeface="等线" panose="02010600030101010101" pitchFamily="2" charset="-122"/>
+                <a:cs typeface="Times New Roman" panose="02020603050405020304" pitchFamily="18" charset="0"/>
+              </a:rPr>
+              <a:t>121002.OF </a:t>
+            </a:r>
+            <a:r>
+              <a:rPr lang="en-US" altLang="zh-CN" kern="100" dirty="0" smtClean="0">
+                <a:latin typeface="Times New Roman" panose="02020603050405020304" pitchFamily="18" charset="0"/>
+                <a:ea typeface="等线" panose="02010600030101010101" pitchFamily="2" charset="-122"/>
+                <a:cs typeface="Times New Roman" panose="02020603050405020304" pitchFamily="18" charset="0"/>
+              </a:rPr>
+              <a:t>(0.75*000300.SH+0.2*H11009.CSI+0.05*</a:t>
+            </a:r>
+            <a:r>
+              <a:rPr lang="en-US" altLang="zh-CN" kern="100" dirty="0" err="1" smtClean="0">
+                <a:latin typeface="Times New Roman" panose="02020603050405020304" pitchFamily="18" charset="0"/>
+                <a:ea typeface="等线" panose="02010600030101010101" pitchFamily="2" charset="-122"/>
+                <a:cs typeface="Times New Roman" panose="02020603050405020304" pitchFamily="18" charset="0"/>
+              </a:rPr>
+              <a:t>rf</a:t>
+            </a:r>
+            <a:r>
+              <a:rPr lang="en-US" altLang="zh-CN" kern="100" dirty="0" smtClean="0">
+                <a:latin typeface="Times New Roman" panose="02020603050405020304" pitchFamily="18" charset="0"/>
+                <a:ea typeface="等线" panose="02010600030101010101" pitchFamily="2" charset="-122"/>
+                <a:cs typeface="Times New Roman" panose="02020603050405020304" pitchFamily="18" charset="0"/>
+              </a:rPr>
+              <a:t>)</a:t>
+            </a:r>
           </a:p>
           <a:p>
             <a:pPr marL="285750" indent="-285750" algn="just">
@@ -2389,13 +2422,8 @@
                 <a:ea typeface="等线" panose="02010600030101010101" pitchFamily="2" charset="-122"/>
                 <a:cs typeface="Times New Roman" panose="02020603050405020304" pitchFamily="18" charset="0"/>
               </a:rPr>
-              <a:t>121002.OF</a:t>
-            </a:r>
-            <a:endParaRPr lang="en-US" altLang="zh-CN" kern="100" dirty="0" smtClean="0">
-              <a:latin typeface="Times New Roman" panose="02020603050405020304" pitchFamily="18" charset="0"/>
-              <a:ea typeface="等线" panose="02010600030101010101" pitchFamily="2" charset="-122"/>
-              <a:cs typeface="Times New Roman" panose="02020603050405020304" pitchFamily="18" charset="0"/>
-            </a:endParaRPr>
+              <a:t>160603.OF (0.7*000300.SH+0.3*H11009.CSI)</a:t>
+            </a:r>
           </a:p>
           <a:p>
             <a:pPr marL="285750" indent="-285750" algn="just">
@@ -2411,13 +2439,8 @@
                 <a:ea typeface="等线" panose="02010600030101010101" pitchFamily="2" charset="-122"/>
                 <a:cs typeface="Times New Roman" panose="02020603050405020304" pitchFamily="18" charset="0"/>
               </a:rPr>
-              <a:t>100020.OF</a:t>
-            </a:r>
-            <a:endParaRPr lang="en-US" altLang="zh-CN" kern="100" dirty="0" smtClean="0">
-              <a:latin typeface="Times New Roman" panose="02020603050405020304" pitchFamily="18" charset="0"/>
-              <a:ea typeface="等线" panose="02010600030101010101" pitchFamily="2" charset="-122"/>
-              <a:cs typeface="Times New Roman" panose="02020603050405020304" pitchFamily="18" charset="0"/>
-            </a:endParaRPr>
+              <a:t>161605.OF (0.75*000300.SH+0.25*H11009.CSI)</a:t>
+            </a:r>
           </a:p>
           <a:p>
             <a:pPr marL="285750" indent="-285750" algn="just">
@@ -2433,13 +2456,8 @@
                 <a:ea typeface="等线" panose="02010600030101010101" pitchFamily="2" charset="-122"/>
                 <a:cs typeface="Times New Roman" panose="02020603050405020304" pitchFamily="18" charset="0"/>
               </a:rPr>
-              <a:t>160603.OF</a:t>
-            </a:r>
-            <a:endParaRPr lang="en-US" altLang="zh-CN" kern="100" dirty="0" smtClean="0">
-              <a:latin typeface="Times New Roman" panose="02020603050405020304" pitchFamily="18" charset="0"/>
-              <a:ea typeface="等线" panose="02010600030101010101" pitchFamily="2" charset="-122"/>
-              <a:cs typeface="Times New Roman" panose="02020603050405020304" pitchFamily="18" charset="0"/>
-            </a:endParaRPr>
+              <a:t>233001.OF (0.55*000300.SH+0.45*H11009.CSI)</a:t>
+            </a:r>
           </a:p>
           <a:p>
             <a:pPr marL="285750" indent="-285750" algn="just">
@@ -2455,57 +2473,24 @@
                 <a:ea typeface="等线" panose="02010600030101010101" pitchFamily="2" charset="-122"/>
                 <a:cs typeface="Times New Roman" panose="02020603050405020304" pitchFamily="18" charset="0"/>
               </a:rPr>
-              <a:t>161605.OF</a:t>
-            </a:r>
-            <a:endParaRPr lang="en-US" altLang="zh-CN" kern="100" dirty="0" smtClean="0">
-              <a:latin typeface="Times New Roman" panose="02020603050405020304" pitchFamily="18" charset="0"/>
-              <a:ea typeface="等线" panose="02010600030101010101" pitchFamily="2" charset="-122"/>
-              <a:cs typeface="Times New Roman" panose="02020603050405020304" pitchFamily="18" charset="0"/>
-            </a:endParaRPr>
-          </a:p>
-          <a:p>
-            <a:pPr marL="285750" indent="-285750" algn="just">
-              <a:spcAft>
-                <a:spcPts val="0"/>
-              </a:spcAft>
-              <a:buFont typeface="Arial" panose="020B0604020202020204" pitchFamily="34" charset="0"/>
-              <a:buChar char="•"/>
-            </a:pPr>
+              <a:t>288001.OF (0.6*000300.SH+0.2*H11009.CSI+0.2*</a:t>
+            </a:r>
+            <a:r>
+              <a:rPr lang="en-US" altLang="zh-CN" kern="100" dirty="0" err="1" smtClean="0">
+                <a:latin typeface="Times New Roman" panose="02020603050405020304" pitchFamily="18" charset="0"/>
+                <a:ea typeface="等线" panose="02010600030101010101" pitchFamily="2" charset="-122"/>
+                <a:cs typeface="Times New Roman" panose="02020603050405020304" pitchFamily="18" charset="0"/>
+              </a:rPr>
+              <a:t>rf</a:t>
+            </a:r>
             <a:r>
               <a:rPr lang="en-US" altLang="zh-CN" kern="100" dirty="0" smtClean="0">
                 <a:latin typeface="Times New Roman" panose="02020603050405020304" pitchFamily="18" charset="0"/>
                 <a:ea typeface="等线" panose="02010600030101010101" pitchFamily="2" charset="-122"/>
                 <a:cs typeface="Times New Roman" panose="02020603050405020304" pitchFamily="18" charset="0"/>
               </a:rPr>
-              <a:t>233001.OF</a:t>
-            </a:r>
-            <a:endParaRPr lang="en-US" altLang="zh-CN" kern="100" dirty="0" smtClean="0">
-              <a:latin typeface="Times New Roman" panose="02020603050405020304" pitchFamily="18" charset="0"/>
-              <a:ea typeface="等线" panose="02010600030101010101" pitchFamily="2" charset="-122"/>
-              <a:cs typeface="Times New Roman" panose="02020603050405020304" pitchFamily="18" charset="0"/>
-            </a:endParaRPr>
-          </a:p>
-          <a:p>
-            <a:pPr marL="285750" indent="-285750" algn="just">
-              <a:spcAft>
-                <a:spcPts val="0"/>
-              </a:spcAft>
-              <a:buFont typeface="Arial" panose="020B0604020202020204" pitchFamily="34" charset="0"/>
-              <a:buChar char="•"/>
-            </a:pPr>
-            <a:r>
-              <a:rPr lang="en-US" altLang="zh-CN" kern="100" dirty="0" smtClean="0">
-                <a:latin typeface="Times New Roman" panose="02020603050405020304" pitchFamily="18" charset="0"/>
-                <a:ea typeface="等线" panose="02010600030101010101" pitchFamily="2" charset="-122"/>
-                <a:cs typeface="Times New Roman" panose="02020603050405020304" pitchFamily="18" charset="0"/>
-              </a:rPr>
-              <a:t>288001.OF</a:t>
-            </a:r>
-            <a:endParaRPr lang="en-US" altLang="zh-CN" kern="100" dirty="0" smtClean="0">
-              <a:latin typeface="Times New Roman" panose="02020603050405020304" pitchFamily="18" charset="0"/>
-              <a:ea typeface="等线" panose="02010600030101010101" pitchFamily="2" charset="-122"/>
-              <a:cs typeface="Times New Roman" panose="02020603050405020304" pitchFamily="18" charset="0"/>
-            </a:endParaRPr>
+              <a:t>)</a:t>
+            </a:r>
           </a:p>
         </p:txBody>
       </p:sp>
